--- a/sessionclock.pptx
+++ b/sessionclock.pptx
@@ -9564,15 +9564,24 @@
                                   </p:childTnLst>
                                 </p:cTn>
                               </p:par>
+                            </p:childTnLst>
+                          </p:cTn>
+                        </p:par>
+                        <p:par>
+                          <p:cTn id="44" fill="hold">
+                            <p:stCondLst>
+                              <p:cond delay="10500"/>
+                            </p:stCondLst>
+                            <p:childTnLst>
                               <p:par>
-                                <p:cTn id="44" presetID="9" presetClass="exit" presetSubtype="0" fill="hold" grpId="0" nodeType="withEffect">
+                                <p:cTn id="45" presetID="9" presetClass="exit" presetSubtype="0" fill="hold" grpId="0" nodeType="afterEffect">
                                   <p:stCondLst>
-                                    <p:cond delay="500"/>
+                                    <p:cond delay="0"/>
                                   </p:stCondLst>
                                   <p:childTnLst>
                                     <p:animEffect transition="out" filter="dissolve">
                                       <p:cBhvr>
-                                        <p:cTn id="45" dur="500"/>
+                                        <p:cTn id="46" dur="500"/>
                                         <p:tgtEl>
                                           <p:spTgt spid="23"/>
                                         </p:tgtEl>
@@ -9580,7 +9589,7 @@
                                     </p:animEffect>
                                     <p:set>
                                       <p:cBhvr>
-                                        <p:cTn id="46" dur="1" fill="hold">
+                                        <p:cTn id="47" dur="1" fill="hold">
                                           <p:stCondLst>
                                             <p:cond delay="499"/>
                                           </p:stCondLst>
@@ -9603,20 +9612,20 @@
                           </p:cTn>
                         </p:par>
                         <p:par>
-                          <p:cTn id="47" fill="hold">
+                          <p:cTn id="48" fill="hold">
                             <p:stCondLst>
-                              <p:cond delay="10500"/>
+                              <p:cond delay="11000"/>
                             </p:stCondLst>
                             <p:childTnLst>
                               <p:par>
-                                <p:cTn id="48" presetID="9" presetClass="exit" presetSubtype="0" fill="hold" grpId="0" nodeType="afterEffect">
+                                <p:cTn id="49" presetID="9" presetClass="exit" presetSubtype="0" fill="hold" grpId="0" nodeType="afterEffect">
                                   <p:stCondLst>
                                     <p:cond delay="500"/>
                                   </p:stCondLst>
                                   <p:childTnLst>
                                     <p:animEffect transition="out" filter="dissolve">
                                       <p:cBhvr>
-                                        <p:cTn id="49" dur="500"/>
+                                        <p:cTn id="50" dur="500"/>
                                         <p:tgtEl>
                                           <p:spTgt spid="24"/>
                                         </p:tgtEl>
@@ -9624,7 +9633,7 @@
                                     </p:animEffect>
                                     <p:set>
                                       <p:cBhvr>
-                                        <p:cTn id="50" dur="1" fill="hold">
+                                        <p:cTn id="51" dur="1" fill="hold">
                                           <p:stCondLst>
                                             <p:cond delay="499"/>
                                           </p:stCondLst>
@@ -9647,20 +9656,20 @@
                           </p:cTn>
                         </p:par>
                         <p:par>
-                          <p:cTn id="51" fill="hold">
+                          <p:cTn id="52" fill="hold">
                             <p:stCondLst>
-                              <p:cond delay="11500"/>
+                              <p:cond delay="12000"/>
                             </p:stCondLst>
                             <p:childTnLst>
                               <p:par>
-                                <p:cTn id="52" presetID="9" presetClass="exit" presetSubtype="0" fill="hold" grpId="0" nodeType="afterEffect">
+                                <p:cTn id="53" presetID="9" presetClass="exit" presetSubtype="0" fill="hold" grpId="0" nodeType="afterEffect">
                                   <p:stCondLst>
                                     <p:cond delay="500"/>
                                   </p:stCondLst>
                                   <p:childTnLst>
                                     <p:animEffect transition="out" filter="dissolve">
                                       <p:cBhvr>
-                                        <p:cTn id="53" dur="500"/>
+                                        <p:cTn id="54" dur="500"/>
                                         <p:tgtEl>
                                           <p:spTgt spid="25"/>
                                         </p:tgtEl>
@@ -9668,7 +9677,7 @@
                                     </p:animEffect>
                                     <p:set>
                                       <p:cBhvr>
-                                        <p:cTn id="54" dur="1" fill="hold">
+                                        <p:cTn id="55" dur="1" fill="hold">
                                           <p:stCondLst>
                                             <p:cond delay="499"/>
                                           </p:stCondLst>
@@ -9691,20 +9700,20 @@
                           </p:cTn>
                         </p:par>
                         <p:par>
-                          <p:cTn id="55" fill="hold">
+                          <p:cTn id="56" fill="hold">
                             <p:stCondLst>
-                              <p:cond delay="12500"/>
+                              <p:cond delay="13000"/>
                             </p:stCondLst>
                             <p:childTnLst>
                               <p:par>
-                                <p:cTn id="56" presetID="9" presetClass="exit" presetSubtype="0" fill="hold" grpId="0" nodeType="afterEffect">
+                                <p:cTn id="57" presetID="9" presetClass="exit" presetSubtype="0" fill="hold" grpId="0" nodeType="afterEffect">
                                   <p:stCondLst>
                                     <p:cond delay="500"/>
                                   </p:stCondLst>
                                   <p:childTnLst>
                                     <p:animEffect transition="out" filter="dissolve">
                                       <p:cBhvr>
-                                        <p:cTn id="57" dur="500"/>
+                                        <p:cTn id="58" dur="500"/>
                                         <p:tgtEl>
                                           <p:spTgt spid="26"/>
                                         </p:tgtEl>
@@ -9712,7 +9721,7 @@
                                     </p:animEffect>
                                     <p:set>
                                       <p:cBhvr>
-                                        <p:cTn id="58" dur="1" fill="hold">
+                                        <p:cTn id="59" dur="1" fill="hold">
                                           <p:stCondLst>
                                             <p:cond delay="499"/>
                                           </p:stCondLst>
@@ -9735,20 +9744,20 @@
                           </p:cTn>
                         </p:par>
                         <p:par>
-                          <p:cTn id="59" fill="hold">
+                          <p:cTn id="60" fill="hold">
                             <p:stCondLst>
-                              <p:cond delay="13500"/>
+                              <p:cond delay="14000"/>
                             </p:stCondLst>
                             <p:childTnLst>
                               <p:par>
-                                <p:cTn id="60" presetID="9" presetClass="exit" presetSubtype="0" fill="hold" grpId="0" nodeType="afterEffect">
+                                <p:cTn id="61" presetID="9" presetClass="exit" presetSubtype="0" fill="hold" grpId="0" nodeType="afterEffect">
                                   <p:stCondLst>
                                     <p:cond delay="500"/>
                                   </p:stCondLst>
                                   <p:childTnLst>
                                     <p:animEffect transition="out" filter="dissolve">
                                       <p:cBhvr>
-                                        <p:cTn id="61" dur="500"/>
+                                        <p:cTn id="62" dur="500"/>
                                         <p:tgtEl>
                                           <p:spTgt spid="27"/>
                                         </p:tgtEl>
@@ -9756,7 +9765,7 @@
                                     </p:animEffect>
                                     <p:set>
                                       <p:cBhvr>
-                                        <p:cTn id="62" dur="1" fill="hold">
+                                        <p:cTn id="63" dur="1" fill="hold">
                                           <p:stCondLst>
                                             <p:cond delay="499"/>
                                           </p:stCondLst>
@@ -9779,20 +9788,20 @@
                           </p:cTn>
                         </p:par>
                         <p:par>
-                          <p:cTn id="63" fill="hold">
+                          <p:cTn id="64" fill="hold">
                             <p:stCondLst>
-                              <p:cond delay="14500"/>
+                              <p:cond delay="15000"/>
                             </p:stCondLst>
                             <p:childTnLst>
                               <p:par>
-                                <p:cTn id="64" presetID="9" presetClass="exit" presetSubtype="0" fill="hold" grpId="0" nodeType="afterEffect">
+                                <p:cTn id="65" presetID="9" presetClass="exit" presetSubtype="0" fill="hold" grpId="0" nodeType="afterEffect">
                                   <p:stCondLst>
                                     <p:cond delay="500"/>
                                   </p:stCondLst>
                                   <p:childTnLst>
                                     <p:animEffect transition="out" filter="dissolve">
                                       <p:cBhvr>
-                                        <p:cTn id="65" dur="500"/>
+                                        <p:cTn id="66" dur="500"/>
                                         <p:tgtEl>
                                           <p:spTgt spid="28"/>
                                         </p:tgtEl>
@@ -9800,7 +9809,7 @@
                                     </p:animEffect>
                                     <p:set>
                                       <p:cBhvr>
-                                        <p:cTn id="66" dur="1" fill="hold">
+                                        <p:cTn id="67" dur="1" fill="hold">
                                           <p:stCondLst>
                                             <p:cond delay="499"/>
                                           </p:stCondLst>
@@ -9823,20 +9832,20 @@
                           </p:cTn>
                         </p:par>
                         <p:par>
-                          <p:cTn id="67" fill="hold">
+                          <p:cTn id="68" fill="hold">
                             <p:stCondLst>
-                              <p:cond delay="15500"/>
+                              <p:cond delay="16000"/>
                             </p:stCondLst>
                             <p:childTnLst>
                               <p:par>
-                                <p:cTn id="68" presetID="9" presetClass="exit" presetSubtype="0" fill="hold" grpId="0" nodeType="afterEffect">
+                                <p:cTn id="69" presetID="9" presetClass="exit" presetSubtype="0" fill="hold" grpId="0" nodeType="afterEffect">
                                   <p:stCondLst>
                                     <p:cond delay="500"/>
                                   </p:stCondLst>
                                   <p:childTnLst>
                                     <p:animEffect transition="out" filter="dissolve">
                                       <p:cBhvr>
-                                        <p:cTn id="69" dur="500"/>
+                                        <p:cTn id="70" dur="500"/>
                                         <p:tgtEl>
                                           <p:spTgt spid="29"/>
                                         </p:tgtEl>
@@ -9844,7 +9853,7 @@
                                     </p:animEffect>
                                     <p:set>
                                       <p:cBhvr>
-                                        <p:cTn id="70" dur="1" fill="hold">
+                                        <p:cTn id="71" dur="1" fill="hold">
                                           <p:stCondLst>
                                             <p:cond delay="499"/>
                                           </p:stCondLst>
@@ -9867,20 +9876,20 @@
                           </p:cTn>
                         </p:par>
                         <p:par>
-                          <p:cTn id="71" fill="hold">
+                          <p:cTn id="72" fill="hold">
                             <p:stCondLst>
-                              <p:cond delay="16500"/>
+                              <p:cond delay="17000"/>
                             </p:stCondLst>
                             <p:childTnLst>
                               <p:par>
-                                <p:cTn id="72" presetID="9" presetClass="exit" presetSubtype="0" fill="hold" grpId="0" nodeType="afterEffect">
+                                <p:cTn id="73" presetID="9" presetClass="exit" presetSubtype="0" fill="hold" grpId="0" nodeType="afterEffect">
                                   <p:stCondLst>
                                     <p:cond delay="500"/>
                                   </p:stCondLst>
                                   <p:childTnLst>
                                     <p:animEffect transition="out" filter="dissolve">
                                       <p:cBhvr>
-                                        <p:cTn id="73" dur="500"/>
+                                        <p:cTn id="74" dur="500"/>
                                         <p:tgtEl>
                                           <p:spTgt spid="30"/>
                                         </p:tgtEl>
@@ -9888,7 +9897,7 @@
                                     </p:animEffect>
                                     <p:set>
                                       <p:cBhvr>
-                                        <p:cTn id="74" dur="1" fill="hold">
+                                        <p:cTn id="75" dur="1" fill="hold">
                                           <p:stCondLst>
                                             <p:cond delay="499"/>
                                           </p:stCondLst>
@@ -9911,20 +9920,20 @@
                           </p:cTn>
                         </p:par>
                         <p:par>
-                          <p:cTn id="75" fill="hold">
+                          <p:cTn id="76" fill="hold">
                             <p:stCondLst>
-                              <p:cond delay="17500"/>
+                              <p:cond delay="18000"/>
                             </p:stCondLst>
                             <p:childTnLst>
                               <p:par>
-                                <p:cTn id="76" presetID="9" presetClass="exit" presetSubtype="0" fill="hold" grpId="0" nodeType="afterEffect">
+                                <p:cTn id="77" presetID="9" presetClass="exit" presetSubtype="0" fill="hold" grpId="0" nodeType="afterEffect">
                                   <p:stCondLst>
                                     <p:cond delay="500"/>
                                   </p:stCondLst>
                                   <p:childTnLst>
                                     <p:animEffect transition="out" filter="dissolve">
                                       <p:cBhvr>
-                                        <p:cTn id="77" dur="500"/>
+                                        <p:cTn id="78" dur="500"/>
                                         <p:tgtEl>
                                           <p:spTgt spid="31"/>
                                         </p:tgtEl>
@@ -9932,7 +9941,7 @@
                                     </p:animEffect>
                                     <p:set>
                                       <p:cBhvr>
-                                        <p:cTn id="78" dur="1" fill="hold">
+                                        <p:cTn id="79" dur="1" fill="hold">
                                           <p:stCondLst>
                                             <p:cond delay="499"/>
                                           </p:stCondLst>
@@ -9955,20 +9964,20 @@
                           </p:cTn>
                         </p:par>
                         <p:par>
-                          <p:cTn id="79" fill="hold">
+                          <p:cTn id="80" fill="hold">
                             <p:stCondLst>
-                              <p:cond delay="18500"/>
+                              <p:cond delay="19000"/>
                             </p:stCondLst>
                             <p:childTnLst>
                               <p:par>
-                                <p:cTn id="80" presetID="9" presetClass="exit" presetSubtype="0" fill="hold" grpId="0" nodeType="afterEffect">
+                                <p:cTn id="81" presetID="9" presetClass="exit" presetSubtype="0" fill="hold" grpId="0" nodeType="afterEffect">
                                   <p:stCondLst>
                                     <p:cond delay="500"/>
                                   </p:stCondLst>
                                   <p:childTnLst>
                                     <p:animEffect transition="out" filter="dissolve">
                                       <p:cBhvr>
-                                        <p:cTn id="81" dur="500"/>
+                                        <p:cTn id="82" dur="500"/>
                                         <p:tgtEl>
                                           <p:spTgt spid="32"/>
                                         </p:tgtEl>
@@ -9976,7 +9985,7 @@
                                     </p:animEffect>
                                     <p:set>
                                       <p:cBhvr>
-                                        <p:cTn id="82" dur="1" fill="hold">
+                                        <p:cTn id="83" dur="1" fill="hold">
                                           <p:stCondLst>
                                             <p:cond delay="499"/>
                                           </p:stCondLst>
@@ -9995,15 +10004,24 @@
                                   </p:childTnLst>
                                 </p:cTn>
                               </p:par>
+                            </p:childTnLst>
+                          </p:cTn>
+                        </p:par>
+                        <p:par>
+                          <p:cTn id="84" fill="hold">
+                            <p:stCondLst>
+                              <p:cond delay="20000"/>
+                            </p:stCondLst>
+                            <p:childTnLst>
                               <p:par>
-                                <p:cTn id="83" presetID="9" presetClass="exit" presetSubtype="0" fill="hold" grpId="0" nodeType="withEffect">
+                                <p:cTn id="85" presetID="9" presetClass="exit" presetSubtype="0" fill="hold" grpId="0" nodeType="afterEffect">
                                   <p:stCondLst>
-                                    <p:cond delay="500"/>
+                                    <p:cond delay="0"/>
                                   </p:stCondLst>
                                   <p:childTnLst>
                                     <p:animEffect transition="out" filter="dissolve">
                                       <p:cBhvr>
-                                        <p:cTn id="84" dur="500"/>
+                                        <p:cTn id="86" dur="500"/>
                                         <p:tgtEl>
                                           <p:spTgt spid="33"/>
                                         </p:tgtEl>
@@ -10011,7 +10029,7 @@
                                     </p:animEffect>
                                     <p:set>
                                       <p:cBhvr>
-                                        <p:cTn id="85" dur="1" fill="hold">
+                                        <p:cTn id="87" dur="1" fill="hold">
                                           <p:stCondLst>
                                             <p:cond delay="499"/>
                                           </p:stCondLst>
@@ -10034,20 +10052,20 @@
                           </p:cTn>
                         </p:par>
                         <p:par>
-                          <p:cTn id="86" fill="hold">
+                          <p:cTn id="88" fill="hold">
                             <p:stCondLst>
-                              <p:cond delay="19500"/>
+                              <p:cond delay="20500"/>
                             </p:stCondLst>
                             <p:childTnLst>
                               <p:par>
-                                <p:cTn id="87" presetID="9" presetClass="exit" presetSubtype="0" fill="hold" grpId="0" nodeType="afterEffect">
+                                <p:cTn id="89" presetID="9" presetClass="exit" presetSubtype="0" fill="hold" grpId="0" nodeType="afterEffect">
                                   <p:stCondLst>
                                     <p:cond delay="500"/>
                                   </p:stCondLst>
                                   <p:childTnLst>
                                     <p:animEffect transition="out" filter="dissolve">
                                       <p:cBhvr>
-                                        <p:cTn id="88" dur="500"/>
+                                        <p:cTn id="90" dur="500"/>
                                         <p:tgtEl>
                                           <p:spTgt spid="34"/>
                                         </p:tgtEl>
@@ -10055,7 +10073,7 @@
                                     </p:animEffect>
                                     <p:set>
                                       <p:cBhvr>
-                                        <p:cTn id="89" dur="1" fill="hold">
+                                        <p:cTn id="91" dur="1" fill="hold">
                                           <p:stCondLst>
                                             <p:cond delay="499"/>
                                           </p:stCondLst>
@@ -10078,20 +10096,20 @@
                           </p:cTn>
                         </p:par>
                         <p:par>
-                          <p:cTn id="90" fill="hold">
+                          <p:cTn id="92" fill="hold">
                             <p:stCondLst>
-                              <p:cond delay="20500"/>
+                              <p:cond delay="21500"/>
                             </p:stCondLst>
                             <p:childTnLst>
                               <p:par>
-                                <p:cTn id="91" presetID="9" presetClass="exit" presetSubtype="0" fill="hold" grpId="0" nodeType="afterEffect">
+                                <p:cTn id="93" presetID="9" presetClass="exit" presetSubtype="0" fill="hold" grpId="0" nodeType="afterEffect">
                                   <p:stCondLst>
                                     <p:cond delay="500"/>
                                   </p:stCondLst>
                                   <p:childTnLst>
                                     <p:animEffect transition="out" filter="dissolve">
                                       <p:cBhvr>
-                                        <p:cTn id="92" dur="500"/>
+                                        <p:cTn id="94" dur="500"/>
                                         <p:tgtEl>
                                           <p:spTgt spid="35"/>
                                         </p:tgtEl>
@@ -10099,7 +10117,7 @@
                                     </p:animEffect>
                                     <p:set>
                                       <p:cBhvr>
-                                        <p:cTn id="93" dur="1" fill="hold">
+                                        <p:cTn id="95" dur="1" fill="hold">
                                           <p:stCondLst>
                                             <p:cond delay="499"/>
                                           </p:stCondLst>
@@ -10122,20 +10140,20 @@
                           </p:cTn>
                         </p:par>
                         <p:par>
-                          <p:cTn id="94" fill="hold">
+                          <p:cTn id="96" fill="hold">
                             <p:stCondLst>
-                              <p:cond delay="21500"/>
+                              <p:cond delay="22500"/>
                             </p:stCondLst>
                             <p:childTnLst>
                               <p:par>
-                                <p:cTn id="95" presetID="9" presetClass="exit" presetSubtype="0" fill="hold" grpId="0" nodeType="afterEffect">
+                                <p:cTn id="97" presetID="9" presetClass="exit" presetSubtype="0" fill="hold" grpId="0" nodeType="afterEffect">
                                   <p:stCondLst>
                                     <p:cond delay="500"/>
                                   </p:stCondLst>
                                   <p:childTnLst>
                                     <p:animEffect transition="out" filter="dissolve">
                                       <p:cBhvr>
-                                        <p:cTn id="96" dur="500"/>
+                                        <p:cTn id="98" dur="500"/>
                                         <p:tgtEl>
                                           <p:spTgt spid="36"/>
                                         </p:tgtEl>
@@ -10143,7 +10161,7 @@
                                     </p:animEffect>
                                     <p:set>
                                       <p:cBhvr>
-                                        <p:cTn id="97" dur="1" fill="hold">
+                                        <p:cTn id="99" dur="1" fill="hold">
                                           <p:stCondLst>
                                             <p:cond delay="499"/>
                                           </p:stCondLst>
@@ -10166,20 +10184,20 @@
                           </p:cTn>
                         </p:par>
                         <p:par>
-                          <p:cTn id="98" fill="hold">
+                          <p:cTn id="100" fill="hold">
                             <p:stCondLst>
-                              <p:cond delay="22500"/>
+                              <p:cond delay="23500"/>
                             </p:stCondLst>
                             <p:childTnLst>
                               <p:par>
-                                <p:cTn id="99" presetID="9" presetClass="exit" presetSubtype="0" fill="hold" grpId="0" nodeType="afterEffect">
+                                <p:cTn id="101" presetID="9" presetClass="exit" presetSubtype="0" fill="hold" grpId="0" nodeType="afterEffect">
                                   <p:stCondLst>
                                     <p:cond delay="500"/>
                                   </p:stCondLst>
                                   <p:childTnLst>
                                     <p:animEffect transition="out" filter="dissolve">
                                       <p:cBhvr>
-                                        <p:cTn id="100" dur="500"/>
+                                        <p:cTn id="102" dur="500"/>
                                         <p:tgtEl>
                                           <p:spTgt spid="37"/>
                                         </p:tgtEl>
@@ -10187,7 +10205,7 @@
                                     </p:animEffect>
                                     <p:set>
                                       <p:cBhvr>
-                                        <p:cTn id="101" dur="1" fill="hold">
+                                        <p:cTn id="103" dur="1" fill="hold">
                                           <p:stCondLst>
                                             <p:cond delay="499"/>
                                           </p:stCondLst>
@@ -10210,20 +10228,20 @@
                           </p:cTn>
                         </p:par>
                         <p:par>
-                          <p:cTn id="102" fill="hold">
+                          <p:cTn id="104" fill="hold">
                             <p:stCondLst>
-                              <p:cond delay="23500"/>
+                              <p:cond delay="24500"/>
                             </p:stCondLst>
                             <p:childTnLst>
                               <p:par>
-                                <p:cTn id="103" presetID="9" presetClass="exit" presetSubtype="0" fill="hold" grpId="0" nodeType="afterEffect">
+                                <p:cTn id="105" presetID="9" presetClass="exit" presetSubtype="0" fill="hold" grpId="0" nodeType="afterEffect">
                                   <p:stCondLst>
                                     <p:cond delay="500"/>
                                   </p:stCondLst>
                                   <p:childTnLst>
                                     <p:animEffect transition="out" filter="dissolve">
                                       <p:cBhvr>
-                                        <p:cTn id="104" dur="500"/>
+                                        <p:cTn id="106" dur="500"/>
                                         <p:tgtEl>
                                           <p:spTgt spid="38"/>
                                         </p:tgtEl>
@@ -10231,7 +10249,7 @@
                                     </p:animEffect>
                                     <p:set>
                                       <p:cBhvr>
-                                        <p:cTn id="105" dur="1" fill="hold">
+                                        <p:cTn id="107" dur="1" fill="hold">
                                           <p:stCondLst>
                                             <p:cond delay="499"/>
                                           </p:stCondLst>
@@ -10254,20 +10272,20 @@
                           </p:cTn>
                         </p:par>
                         <p:par>
-                          <p:cTn id="106" fill="hold">
+                          <p:cTn id="108" fill="hold">
                             <p:stCondLst>
-                              <p:cond delay="24500"/>
+                              <p:cond delay="25500"/>
                             </p:stCondLst>
                             <p:childTnLst>
                               <p:par>
-                                <p:cTn id="107" presetID="9" presetClass="exit" presetSubtype="0" fill="hold" grpId="0" nodeType="afterEffect">
+                                <p:cTn id="109" presetID="9" presetClass="exit" presetSubtype="0" fill="hold" grpId="0" nodeType="afterEffect">
                                   <p:stCondLst>
                                     <p:cond delay="500"/>
                                   </p:stCondLst>
                                   <p:childTnLst>
                                     <p:animEffect transition="out" filter="dissolve">
                                       <p:cBhvr>
-                                        <p:cTn id="108" dur="500"/>
+                                        <p:cTn id="110" dur="500"/>
                                         <p:tgtEl>
                                           <p:spTgt spid="39"/>
                                         </p:tgtEl>
@@ -10275,7 +10293,7 @@
                                     </p:animEffect>
                                     <p:set>
                                       <p:cBhvr>
-                                        <p:cTn id="109" dur="1" fill="hold">
+                                        <p:cTn id="111" dur="1" fill="hold">
                                           <p:stCondLst>
                                             <p:cond delay="499"/>
                                           </p:stCondLst>
@@ -10298,20 +10316,20 @@
                           </p:cTn>
                         </p:par>
                         <p:par>
-                          <p:cTn id="110" fill="hold">
+                          <p:cTn id="112" fill="hold">
                             <p:stCondLst>
-                              <p:cond delay="25500"/>
+                              <p:cond delay="26500"/>
                             </p:stCondLst>
                             <p:childTnLst>
                               <p:par>
-                                <p:cTn id="111" presetID="9" presetClass="exit" presetSubtype="0" fill="hold" grpId="0" nodeType="afterEffect">
+                                <p:cTn id="113" presetID="9" presetClass="exit" presetSubtype="0" fill="hold" grpId="0" nodeType="afterEffect">
                                   <p:stCondLst>
                                     <p:cond delay="500"/>
                                   </p:stCondLst>
                                   <p:childTnLst>
                                     <p:animEffect transition="out" filter="dissolve">
                                       <p:cBhvr>
-                                        <p:cTn id="112" dur="500"/>
+                                        <p:cTn id="114" dur="500"/>
                                         <p:tgtEl>
                                           <p:spTgt spid="40"/>
                                         </p:tgtEl>
@@ -10319,7 +10337,7 @@
                                     </p:animEffect>
                                     <p:set>
                                       <p:cBhvr>
-                                        <p:cTn id="113" dur="1" fill="hold">
+                                        <p:cTn id="115" dur="1" fill="hold">
                                           <p:stCondLst>
                                             <p:cond delay="499"/>
                                           </p:stCondLst>
@@ -10342,20 +10360,20 @@
                           </p:cTn>
                         </p:par>
                         <p:par>
-                          <p:cTn id="114" fill="hold">
+                          <p:cTn id="116" fill="hold">
                             <p:stCondLst>
-                              <p:cond delay="26500"/>
+                              <p:cond delay="27500"/>
                             </p:stCondLst>
                             <p:childTnLst>
                               <p:par>
-                                <p:cTn id="115" presetID="9" presetClass="exit" presetSubtype="0" fill="hold" grpId="0" nodeType="afterEffect">
+                                <p:cTn id="117" presetID="9" presetClass="exit" presetSubtype="0" fill="hold" grpId="0" nodeType="afterEffect">
                                   <p:stCondLst>
                                     <p:cond delay="500"/>
                                   </p:stCondLst>
                                   <p:childTnLst>
                                     <p:animEffect transition="out" filter="dissolve">
                                       <p:cBhvr>
-                                        <p:cTn id="116" dur="500"/>
+                                        <p:cTn id="118" dur="500"/>
                                         <p:tgtEl>
                                           <p:spTgt spid="41"/>
                                         </p:tgtEl>
@@ -10363,7 +10381,7 @@
                                     </p:animEffect>
                                     <p:set>
                                       <p:cBhvr>
-                                        <p:cTn id="117" dur="1" fill="hold">
+                                        <p:cTn id="119" dur="1" fill="hold">
                                           <p:stCondLst>
                                             <p:cond delay="499"/>
                                           </p:stCondLst>
@@ -10386,20 +10404,20 @@
                           </p:cTn>
                         </p:par>
                         <p:par>
-                          <p:cTn id="118" fill="hold">
+                          <p:cTn id="120" fill="hold">
                             <p:stCondLst>
-                              <p:cond delay="27500"/>
+                              <p:cond delay="28500"/>
                             </p:stCondLst>
                             <p:childTnLst>
                               <p:par>
-                                <p:cTn id="119" presetID="9" presetClass="exit" presetSubtype="0" fill="hold" grpId="0" nodeType="afterEffect">
+                                <p:cTn id="121" presetID="9" presetClass="exit" presetSubtype="0" fill="hold" grpId="0" nodeType="afterEffect">
                                   <p:stCondLst>
                                     <p:cond delay="500"/>
                                   </p:stCondLst>
                                   <p:childTnLst>
                                     <p:animEffect transition="out" filter="dissolve">
                                       <p:cBhvr>
-                                        <p:cTn id="120" dur="500"/>
+                                        <p:cTn id="122" dur="500"/>
                                         <p:tgtEl>
                                           <p:spTgt spid="42"/>
                                         </p:tgtEl>
@@ -10407,7 +10425,7 @@
                                     </p:animEffect>
                                     <p:set>
                                       <p:cBhvr>
-                                        <p:cTn id="121" dur="1" fill="hold">
+                                        <p:cTn id="123" dur="1" fill="hold">
                                           <p:stCondLst>
                                             <p:cond delay="499"/>
                                           </p:stCondLst>
@@ -10426,15 +10444,24 @@
                                   </p:childTnLst>
                                 </p:cTn>
                               </p:par>
+                            </p:childTnLst>
+                          </p:cTn>
+                        </p:par>
+                        <p:par>
+                          <p:cTn id="124" fill="hold">
+                            <p:stCondLst>
+                              <p:cond delay="29500"/>
+                            </p:stCondLst>
+                            <p:childTnLst>
                               <p:par>
-                                <p:cTn id="122" presetID="9" presetClass="exit" presetSubtype="0" fill="hold" grpId="0" nodeType="withEffect">
+                                <p:cTn id="125" presetID="9" presetClass="exit" presetSubtype="0" fill="hold" grpId="0" nodeType="afterEffect">
                                   <p:stCondLst>
-                                    <p:cond delay="500"/>
+                                    <p:cond delay="0"/>
                                   </p:stCondLst>
                                   <p:childTnLst>
                                     <p:animEffect transition="out" filter="dissolve">
                                       <p:cBhvr>
-                                        <p:cTn id="123" dur="500"/>
+                                        <p:cTn id="126" dur="500"/>
                                         <p:tgtEl>
                                           <p:spTgt spid="43"/>
                                         </p:tgtEl>
@@ -10442,7 +10469,7 @@
                                     </p:animEffect>
                                     <p:set>
                                       <p:cBhvr>
-                                        <p:cTn id="124" dur="1" fill="hold">
+                                        <p:cTn id="127" dur="1" fill="hold">
                                           <p:stCondLst>
                                             <p:cond delay="499"/>
                                           </p:stCondLst>
@@ -10465,20 +10492,20 @@
                           </p:cTn>
                         </p:par>
                         <p:par>
-                          <p:cTn id="125" fill="hold">
+                          <p:cTn id="128" fill="hold">
                             <p:stCondLst>
-                              <p:cond delay="28500"/>
+                              <p:cond delay="30000"/>
                             </p:stCondLst>
                             <p:childTnLst>
                               <p:par>
-                                <p:cTn id="126" presetID="9" presetClass="exit" presetSubtype="0" fill="hold" grpId="0" nodeType="afterEffect">
+                                <p:cTn id="129" presetID="9" presetClass="exit" presetSubtype="0" fill="hold" grpId="0" nodeType="afterEffect">
                                   <p:stCondLst>
                                     <p:cond delay="500"/>
                                   </p:stCondLst>
                                   <p:childTnLst>
                                     <p:animEffect transition="out" filter="dissolve">
                                       <p:cBhvr>
-                                        <p:cTn id="127" dur="500"/>
+                                        <p:cTn id="130" dur="500"/>
                                         <p:tgtEl>
                                           <p:spTgt spid="44"/>
                                         </p:tgtEl>
@@ -10486,7 +10513,7 @@
                                     </p:animEffect>
                                     <p:set>
                                       <p:cBhvr>
-                                        <p:cTn id="128" dur="1" fill="hold">
+                                        <p:cTn id="131" dur="1" fill="hold">
                                           <p:stCondLst>
                                             <p:cond delay="499"/>
                                           </p:stCondLst>
@@ -10509,20 +10536,20 @@
                           </p:cTn>
                         </p:par>
                         <p:par>
-                          <p:cTn id="129" fill="hold">
+                          <p:cTn id="132" fill="hold">
                             <p:stCondLst>
-                              <p:cond delay="29500"/>
+                              <p:cond delay="31000"/>
                             </p:stCondLst>
                             <p:childTnLst>
                               <p:par>
-                                <p:cTn id="130" presetID="9" presetClass="exit" presetSubtype="0" fill="hold" grpId="0" nodeType="afterEffect">
+                                <p:cTn id="133" presetID="9" presetClass="exit" presetSubtype="0" fill="hold" grpId="0" nodeType="afterEffect">
                                   <p:stCondLst>
                                     <p:cond delay="500"/>
                                   </p:stCondLst>
                                   <p:childTnLst>
                                     <p:animEffect transition="out" filter="dissolve">
                                       <p:cBhvr>
-                                        <p:cTn id="131" dur="500"/>
+                                        <p:cTn id="134" dur="500"/>
                                         <p:tgtEl>
                                           <p:spTgt spid="45"/>
                                         </p:tgtEl>
@@ -10530,7 +10557,7 @@
                                     </p:animEffect>
                                     <p:set>
                                       <p:cBhvr>
-                                        <p:cTn id="132" dur="1" fill="hold">
+                                        <p:cTn id="135" dur="1" fill="hold">
                                           <p:stCondLst>
                                             <p:cond delay="499"/>
                                           </p:stCondLst>
@@ -10553,20 +10580,20 @@
                           </p:cTn>
                         </p:par>
                         <p:par>
-                          <p:cTn id="133" fill="hold">
+                          <p:cTn id="136" fill="hold">
                             <p:stCondLst>
-                              <p:cond delay="30500"/>
+                              <p:cond delay="32000"/>
                             </p:stCondLst>
                             <p:childTnLst>
                               <p:par>
-                                <p:cTn id="134" presetID="9" presetClass="exit" presetSubtype="0" fill="hold" grpId="0" nodeType="afterEffect">
+                                <p:cTn id="137" presetID="9" presetClass="exit" presetSubtype="0" fill="hold" grpId="0" nodeType="afterEffect">
                                   <p:stCondLst>
                                     <p:cond delay="500"/>
                                   </p:stCondLst>
                                   <p:childTnLst>
                                     <p:animEffect transition="out" filter="dissolve">
                                       <p:cBhvr>
-                                        <p:cTn id="135" dur="500"/>
+                                        <p:cTn id="138" dur="500"/>
                                         <p:tgtEl>
                                           <p:spTgt spid="46"/>
                                         </p:tgtEl>
@@ -10574,7 +10601,7 @@
                                     </p:animEffect>
                                     <p:set>
                                       <p:cBhvr>
-                                        <p:cTn id="136" dur="1" fill="hold">
+                                        <p:cTn id="139" dur="1" fill="hold">
                                           <p:stCondLst>
                                             <p:cond delay="499"/>
                                           </p:stCondLst>
@@ -10597,20 +10624,20 @@
                           </p:cTn>
                         </p:par>
                         <p:par>
-                          <p:cTn id="137" fill="hold">
+                          <p:cTn id="140" fill="hold">
                             <p:stCondLst>
-                              <p:cond delay="31500"/>
+                              <p:cond delay="33000"/>
                             </p:stCondLst>
                             <p:childTnLst>
                               <p:par>
-                                <p:cTn id="138" presetID="9" presetClass="exit" presetSubtype="0" fill="hold" grpId="0" nodeType="afterEffect">
+                                <p:cTn id="141" presetID="9" presetClass="exit" presetSubtype="0" fill="hold" grpId="0" nodeType="afterEffect">
                                   <p:stCondLst>
                                     <p:cond delay="500"/>
                                   </p:stCondLst>
                                   <p:childTnLst>
                                     <p:animEffect transition="out" filter="dissolve">
                                       <p:cBhvr>
-                                        <p:cTn id="139" dur="500"/>
+                                        <p:cTn id="142" dur="500"/>
                                         <p:tgtEl>
                                           <p:spTgt spid="47"/>
                                         </p:tgtEl>
@@ -10618,7 +10645,7 @@
                                     </p:animEffect>
                                     <p:set>
                                       <p:cBhvr>
-                                        <p:cTn id="140" dur="1" fill="hold">
+                                        <p:cTn id="143" dur="1" fill="hold">
                                           <p:stCondLst>
                                             <p:cond delay="499"/>
                                           </p:stCondLst>
@@ -10641,20 +10668,20 @@
                           </p:cTn>
                         </p:par>
                         <p:par>
-                          <p:cTn id="141" fill="hold">
+                          <p:cTn id="144" fill="hold">
                             <p:stCondLst>
-                              <p:cond delay="32500"/>
+                              <p:cond delay="34000"/>
                             </p:stCondLst>
                             <p:childTnLst>
                               <p:par>
-                                <p:cTn id="142" presetID="9" presetClass="exit" presetSubtype="0" fill="hold" grpId="0" nodeType="afterEffect">
+                                <p:cTn id="145" presetID="9" presetClass="exit" presetSubtype="0" fill="hold" grpId="0" nodeType="afterEffect">
                                   <p:stCondLst>
                                     <p:cond delay="500"/>
                                   </p:stCondLst>
                                   <p:childTnLst>
                                     <p:animEffect transition="out" filter="dissolve">
                                       <p:cBhvr>
-                                        <p:cTn id="143" dur="500"/>
+                                        <p:cTn id="146" dur="500"/>
                                         <p:tgtEl>
                                           <p:spTgt spid="48"/>
                                         </p:tgtEl>
@@ -10662,7 +10689,7 @@
                                     </p:animEffect>
                                     <p:set>
                                       <p:cBhvr>
-                                        <p:cTn id="144" dur="1" fill="hold">
+                                        <p:cTn id="147" dur="1" fill="hold">
                                           <p:stCondLst>
                                             <p:cond delay="499"/>
                                           </p:stCondLst>
@@ -10685,20 +10712,20 @@
                           </p:cTn>
                         </p:par>
                         <p:par>
-                          <p:cTn id="145" fill="hold">
+                          <p:cTn id="148" fill="hold">
                             <p:stCondLst>
-                              <p:cond delay="33500"/>
+                              <p:cond delay="35000"/>
                             </p:stCondLst>
                             <p:childTnLst>
                               <p:par>
-                                <p:cTn id="146" presetID="9" presetClass="exit" presetSubtype="0" fill="hold" grpId="0" nodeType="afterEffect">
+                                <p:cTn id="149" presetID="9" presetClass="exit" presetSubtype="0" fill="hold" grpId="0" nodeType="afterEffect">
                                   <p:stCondLst>
                                     <p:cond delay="500"/>
                                   </p:stCondLst>
                                   <p:childTnLst>
                                     <p:animEffect transition="out" filter="dissolve">
                                       <p:cBhvr>
-                                        <p:cTn id="147" dur="500"/>
+                                        <p:cTn id="150" dur="500"/>
                                         <p:tgtEl>
                                           <p:spTgt spid="49"/>
                                         </p:tgtEl>
@@ -10706,7 +10733,7 @@
                                     </p:animEffect>
                                     <p:set>
                                       <p:cBhvr>
-                                        <p:cTn id="148" dur="1" fill="hold">
+                                        <p:cTn id="151" dur="1" fill="hold">
                                           <p:stCondLst>
                                             <p:cond delay="499"/>
                                           </p:stCondLst>
@@ -10729,20 +10756,20 @@
                           </p:cTn>
                         </p:par>
                         <p:par>
-                          <p:cTn id="149" fill="hold">
+                          <p:cTn id="152" fill="hold">
                             <p:stCondLst>
-                              <p:cond delay="34500"/>
+                              <p:cond delay="36000"/>
                             </p:stCondLst>
                             <p:childTnLst>
                               <p:par>
-                                <p:cTn id="150" presetID="9" presetClass="exit" presetSubtype="0" fill="hold" grpId="0" nodeType="afterEffect">
+                                <p:cTn id="153" presetID="9" presetClass="exit" presetSubtype="0" fill="hold" grpId="0" nodeType="afterEffect">
                                   <p:stCondLst>
                                     <p:cond delay="500"/>
                                   </p:stCondLst>
                                   <p:childTnLst>
                                     <p:animEffect transition="out" filter="dissolve">
                                       <p:cBhvr>
-                                        <p:cTn id="151" dur="500"/>
+                                        <p:cTn id="154" dur="500"/>
                                         <p:tgtEl>
                                           <p:spTgt spid="50"/>
                                         </p:tgtEl>
@@ -10750,7 +10777,7 @@
                                     </p:animEffect>
                                     <p:set>
                                       <p:cBhvr>
-                                        <p:cTn id="152" dur="1" fill="hold">
+                                        <p:cTn id="155" dur="1" fill="hold">
                                           <p:stCondLst>
                                             <p:cond delay="499"/>
                                           </p:stCondLst>
@@ -10773,20 +10800,20 @@
                           </p:cTn>
                         </p:par>
                         <p:par>
-                          <p:cTn id="153" fill="hold">
+                          <p:cTn id="156" fill="hold">
                             <p:stCondLst>
-                              <p:cond delay="35500"/>
+                              <p:cond delay="37000"/>
                             </p:stCondLst>
                             <p:childTnLst>
                               <p:par>
-                                <p:cTn id="154" presetID="9" presetClass="exit" presetSubtype="0" fill="hold" grpId="0" nodeType="afterEffect">
+                                <p:cTn id="157" presetID="9" presetClass="exit" presetSubtype="0" fill="hold" grpId="0" nodeType="afterEffect">
                                   <p:stCondLst>
                                     <p:cond delay="500"/>
                                   </p:stCondLst>
                                   <p:childTnLst>
                                     <p:animEffect transition="out" filter="dissolve">
                                       <p:cBhvr>
-                                        <p:cTn id="155" dur="500"/>
+                                        <p:cTn id="158" dur="500"/>
                                         <p:tgtEl>
                                           <p:spTgt spid="51"/>
                                         </p:tgtEl>
@@ -10794,7 +10821,7 @@
                                     </p:animEffect>
                                     <p:set>
                                       <p:cBhvr>
-                                        <p:cTn id="156" dur="1" fill="hold">
+                                        <p:cTn id="159" dur="1" fill="hold">
                                           <p:stCondLst>
                                             <p:cond delay="499"/>
                                           </p:stCondLst>
@@ -10817,20 +10844,20 @@
                           </p:cTn>
                         </p:par>
                         <p:par>
-                          <p:cTn id="157" fill="hold">
+                          <p:cTn id="160" fill="hold">
                             <p:stCondLst>
-                              <p:cond delay="36500"/>
+                              <p:cond delay="38000"/>
                             </p:stCondLst>
                             <p:childTnLst>
                               <p:par>
-                                <p:cTn id="158" presetID="9" presetClass="exit" presetSubtype="0" fill="hold" grpId="0" nodeType="afterEffect">
+                                <p:cTn id="161" presetID="9" presetClass="exit" presetSubtype="0" fill="hold" grpId="0" nodeType="afterEffect">
                                   <p:stCondLst>
                                     <p:cond delay="500"/>
                                   </p:stCondLst>
                                   <p:childTnLst>
                                     <p:animEffect transition="out" filter="dissolve">
                                       <p:cBhvr>
-                                        <p:cTn id="159" dur="500"/>
+                                        <p:cTn id="162" dur="500"/>
                                         <p:tgtEl>
                                           <p:spTgt spid="52"/>
                                         </p:tgtEl>
@@ -10838,7 +10865,7 @@
                                     </p:animEffect>
                                     <p:set>
                                       <p:cBhvr>
-                                        <p:cTn id="160" dur="1" fill="hold">
+                                        <p:cTn id="163" dur="1" fill="hold">
                                           <p:stCondLst>
                                             <p:cond delay="499"/>
                                           </p:stCondLst>
@@ -10857,15 +10884,24 @@
                                   </p:childTnLst>
                                 </p:cTn>
                               </p:par>
+                            </p:childTnLst>
+                          </p:cTn>
+                        </p:par>
+                        <p:par>
+                          <p:cTn id="164" fill="hold">
+                            <p:stCondLst>
+                              <p:cond delay="39000"/>
+                            </p:stCondLst>
+                            <p:childTnLst>
                               <p:par>
-                                <p:cTn id="161" presetID="9" presetClass="exit" presetSubtype="0" fill="hold" grpId="0" nodeType="withEffect">
+                                <p:cTn id="165" presetID="9" presetClass="exit" presetSubtype="0" fill="hold" grpId="0" nodeType="afterEffect">
                                   <p:stCondLst>
-                                    <p:cond delay="500"/>
+                                    <p:cond delay="0"/>
                                   </p:stCondLst>
                                   <p:childTnLst>
                                     <p:animEffect transition="out" filter="dissolve">
                                       <p:cBhvr>
-                                        <p:cTn id="162" dur="500"/>
+                                        <p:cTn id="166" dur="500"/>
                                         <p:tgtEl>
                                           <p:spTgt spid="53"/>
                                         </p:tgtEl>
@@ -10873,7 +10909,7 @@
                                     </p:animEffect>
                                     <p:set>
                                       <p:cBhvr>
-                                        <p:cTn id="163" dur="1" fill="hold">
+                                        <p:cTn id="167" dur="1" fill="hold">
                                           <p:stCondLst>
                                             <p:cond delay="499"/>
                                           </p:stCondLst>
@@ -10896,20 +10932,20 @@
                           </p:cTn>
                         </p:par>
                         <p:par>
-                          <p:cTn id="164" fill="hold">
+                          <p:cTn id="168" fill="hold">
                             <p:stCondLst>
-                              <p:cond delay="37500"/>
+                              <p:cond delay="39500"/>
                             </p:stCondLst>
                             <p:childTnLst>
                               <p:par>
-                                <p:cTn id="165" presetID="9" presetClass="exit" presetSubtype="0" fill="hold" grpId="0" nodeType="afterEffect">
+                                <p:cTn id="169" presetID="9" presetClass="exit" presetSubtype="0" fill="hold" grpId="0" nodeType="afterEffect">
                                   <p:stCondLst>
                                     <p:cond delay="500"/>
                                   </p:stCondLst>
                                   <p:childTnLst>
                                     <p:animEffect transition="out" filter="dissolve">
                                       <p:cBhvr>
-                                        <p:cTn id="166" dur="500"/>
+                                        <p:cTn id="170" dur="500"/>
                                         <p:tgtEl>
                                           <p:spTgt spid="54"/>
                                         </p:tgtEl>
@@ -10917,7 +10953,7 @@
                                     </p:animEffect>
                                     <p:set>
                                       <p:cBhvr>
-                                        <p:cTn id="167" dur="1" fill="hold">
+                                        <p:cTn id="171" dur="1" fill="hold">
                                           <p:stCondLst>
                                             <p:cond delay="499"/>
                                           </p:stCondLst>
@@ -10940,20 +10976,20 @@
                           </p:cTn>
                         </p:par>
                         <p:par>
-                          <p:cTn id="168" fill="hold">
+                          <p:cTn id="172" fill="hold">
                             <p:stCondLst>
-                              <p:cond delay="38500"/>
+                              <p:cond delay="40500"/>
                             </p:stCondLst>
                             <p:childTnLst>
                               <p:par>
-                                <p:cTn id="169" presetID="9" presetClass="exit" presetSubtype="0" fill="hold" grpId="0" nodeType="afterEffect">
+                                <p:cTn id="173" presetID="9" presetClass="exit" presetSubtype="0" fill="hold" grpId="0" nodeType="afterEffect">
                                   <p:stCondLst>
                                     <p:cond delay="500"/>
                                   </p:stCondLst>
                                   <p:childTnLst>
                                     <p:animEffect transition="out" filter="dissolve">
                                       <p:cBhvr>
-                                        <p:cTn id="170" dur="500"/>
+                                        <p:cTn id="174" dur="500"/>
                                         <p:tgtEl>
                                           <p:spTgt spid="55"/>
                                         </p:tgtEl>
@@ -10961,7 +10997,7 @@
                                     </p:animEffect>
                                     <p:set>
                                       <p:cBhvr>
-                                        <p:cTn id="171" dur="1" fill="hold">
+                                        <p:cTn id="175" dur="1" fill="hold">
                                           <p:stCondLst>
                                             <p:cond delay="499"/>
                                           </p:stCondLst>
@@ -10984,20 +11020,20 @@
                           </p:cTn>
                         </p:par>
                         <p:par>
-                          <p:cTn id="172" fill="hold">
+                          <p:cTn id="176" fill="hold">
                             <p:stCondLst>
-                              <p:cond delay="39500"/>
+                              <p:cond delay="41500"/>
                             </p:stCondLst>
                             <p:childTnLst>
                               <p:par>
-                                <p:cTn id="173" presetID="9" presetClass="exit" presetSubtype="0" fill="hold" grpId="0" nodeType="afterEffect">
+                                <p:cTn id="177" presetID="9" presetClass="exit" presetSubtype="0" fill="hold" grpId="0" nodeType="afterEffect">
                                   <p:stCondLst>
                                     <p:cond delay="500"/>
                                   </p:stCondLst>
                                   <p:childTnLst>
                                     <p:animEffect transition="out" filter="dissolve">
                                       <p:cBhvr>
-                                        <p:cTn id="174" dur="500"/>
+                                        <p:cTn id="178" dur="500"/>
                                         <p:tgtEl>
                                           <p:spTgt spid="56"/>
                                         </p:tgtEl>
@@ -11005,7 +11041,7 @@
                                     </p:animEffect>
                                     <p:set>
                                       <p:cBhvr>
-                                        <p:cTn id="175" dur="1" fill="hold">
+                                        <p:cTn id="179" dur="1" fill="hold">
                                           <p:stCondLst>
                                             <p:cond delay="499"/>
                                           </p:stCondLst>
@@ -11028,20 +11064,20 @@
                           </p:cTn>
                         </p:par>
                         <p:par>
-                          <p:cTn id="176" fill="hold">
+                          <p:cTn id="180" fill="hold">
                             <p:stCondLst>
-                              <p:cond delay="40500"/>
+                              <p:cond delay="42500"/>
                             </p:stCondLst>
                             <p:childTnLst>
                               <p:par>
-                                <p:cTn id="177" presetID="9" presetClass="exit" presetSubtype="0" fill="hold" grpId="0" nodeType="afterEffect">
+                                <p:cTn id="181" presetID="9" presetClass="exit" presetSubtype="0" fill="hold" grpId="0" nodeType="afterEffect">
                                   <p:stCondLst>
                                     <p:cond delay="500"/>
                                   </p:stCondLst>
                                   <p:childTnLst>
                                     <p:animEffect transition="out" filter="dissolve">
                                       <p:cBhvr>
-                                        <p:cTn id="178" dur="500"/>
+                                        <p:cTn id="182" dur="500"/>
                                         <p:tgtEl>
                                           <p:spTgt spid="57"/>
                                         </p:tgtEl>
@@ -11049,7 +11085,7 @@
                                     </p:animEffect>
                                     <p:set>
                                       <p:cBhvr>
-                                        <p:cTn id="179" dur="1" fill="hold">
+                                        <p:cTn id="183" dur="1" fill="hold">
                                           <p:stCondLst>
                                             <p:cond delay="499"/>
                                           </p:stCondLst>
@@ -11072,20 +11108,20 @@
                           </p:cTn>
                         </p:par>
                         <p:par>
-                          <p:cTn id="180" fill="hold">
+                          <p:cTn id="184" fill="hold">
                             <p:stCondLst>
-                              <p:cond delay="41500"/>
+                              <p:cond delay="43500"/>
                             </p:stCondLst>
                             <p:childTnLst>
                               <p:par>
-                                <p:cTn id="181" presetID="9" presetClass="exit" presetSubtype="0" fill="hold" grpId="0" nodeType="afterEffect">
+                                <p:cTn id="185" presetID="9" presetClass="exit" presetSubtype="0" fill="hold" grpId="0" nodeType="afterEffect">
                                   <p:stCondLst>
                                     <p:cond delay="500"/>
                                   </p:stCondLst>
                                   <p:childTnLst>
                                     <p:animEffect transition="out" filter="dissolve">
                                       <p:cBhvr>
-                                        <p:cTn id="182" dur="500"/>
+                                        <p:cTn id="186" dur="500"/>
                                         <p:tgtEl>
                                           <p:spTgt spid="58"/>
                                         </p:tgtEl>
@@ -11093,7 +11129,7 @@
                                     </p:animEffect>
                                     <p:set>
                                       <p:cBhvr>
-                                        <p:cTn id="183" dur="1" fill="hold">
+                                        <p:cTn id="187" dur="1" fill="hold">
                                           <p:stCondLst>
                                             <p:cond delay="499"/>
                                           </p:stCondLst>
@@ -11116,20 +11152,20 @@
                           </p:cTn>
                         </p:par>
                         <p:par>
-                          <p:cTn id="184" fill="hold">
+                          <p:cTn id="188" fill="hold">
                             <p:stCondLst>
-                              <p:cond delay="42500"/>
+                              <p:cond delay="44500"/>
                             </p:stCondLst>
                             <p:childTnLst>
                               <p:par>
-                                <p:cTn id="185" presetID="9" presetClass="exit" presetSubtype="0" fill="hold" grpId="0" nodeType="afterEffect">
+                                <p:cTn id="189" presetID="9" presetClass="exit" presetSubtype="0" fill="hold" grpId="0" nodeType="afterEffect">
                                   <p:stCondLst>
                                     <p:cond delay="500"/>
                                   </p:stCondLst>
                                   <p:childTnLst>
                                     <p:animEffect transition="out" filter="dissolve">
                                       <p:cBhvr>
-                                        <p:cTn id="186" dur="500"/>
+                                        <p:cTn id="190" dur="500"/>
                                         <p:tgtEl>
                                           <p:spTgt spid="59"/>
                                         </p:tgtEl>
@@ -11137,7 +11173,7 @@
                                     </p:animEffect>
                                     <p:set>
                                       <p:cBhvr>
-                                        <p:cTn id="187" dur="1" fill="hold">
+                                        <p:cTn id="191" dur="1" fill="hold">
                                           <p:stCondLst>
                                             <p:cond delay="499"/>
                                           </p:stCondLst>
@@ -11160,20 +11196,20 @@
                           </p:cTn>
                         </p:par>
                         <p:par>
-                          <p:cTn id="188" fill="hold">
+                          <p:cTn id="192" fill="hold">
                             <p:stCondLst>
-                              <p:cond delay="43500"/>
+                              <p:cond delay="45500"/>
                             </p:stCondLst>
                             <p:childTnLst>
                               <p:par>
-                                <p:cTn id="189" presetID="9" presetClass="exit" presetSubtype="0" fill="hold" grpId="0" nodeType="afterEffect">
+                                <p:cTn id="193" presetID="9" presetClass="exit" presetSubtype="0" fill="hold" grpId="0" nodeType="afterEffect">
                                   <p:stCondLst>
                                     <p:cond delay="500"/>
                                   </p:stCondLst>
                                   <p:childTnLst>
                                     <p:animEffect transition="out" filter="dissolve">
                                       <p:cBhvr>
-                                        <p:cTn id="190" dur="500"/>
+                                        <p:cTn id="194" dur="500"/>
                                         <p:tgtEl>
                                           <p:spTgt spid="60"/>
                                         </p:tgtEl>
@@ -11181,7 +11217,7 @@
                                     </p:animEffect>
                                     <p:set>
                                       <p:cBhvr>
-                                        <p:cTn id="191" dur="1" fill="hold">
+                                        <p:cTn id="195" dur="1" fill="hold">
                                           <p:stCondLst>
                                             <p:cond delay="499"/>
                                           </p:stCondLst>
@@ -11204,20 +11240,20 @@
                           </p:cTn>
                         </p:par>
                         <p:par>
-                          <p:cTn id="192" fill="hold">
+                          <p:cTn id="196" fill="hold">
                             <p:stCondLst>
-                              <p:cond delay="44500"/>
+                              <p:cond delay="46500"/>
                             </p:stCondLst>
                             <p:childTnLst>
                               <p:par>
-                                <p:cTn id="193" presetID="9" presetClass="exit" presetSubtype="0" fill="hold" grpId="0" nodeType="afterEffect">
+                                <p:cTn id="197" presetID="9" presetClass="exit" presetSubtype="0" fill="hold" grpId="0" nodeType="afterEffect">
                                   <p:stCondLst>
                                     <p:cond delay="500"/>
                                   </p:stCondLst>
                                   <p:childTnLst>
                                     <p:animEffect transition="out" filter="dissolve">
                                       <p:cBhvr>
-                                        <p:cTn id="194" dur="500"/>
+                                        <p:cTn id="198" dur="500"/>
                                         <p:tgtEl>
                                           <p:spTgt spid="61"/>
                                         </p:tgtEl>
@@ -11225,7 +11261,7 @@
                                     </p:animEffect>
                                     <p:set>
                                       <p:cBhvr>
-                                        <p:cTn id="195" dur="1" fill="hold">
+                                        <p:cTn id="199" dur="1" fill="hold">
                                           <p:stCondLst>
                                             <p:cond delay="499"/>
                                           </p:stCondLst>
@@ -11248,20 +11284,20 @@
                           </p:cTn>
                         </p:par>
                         <p:par>
-                          <p:cTn id="196" fill="hold">
+                          <p:cTn id="200" fill="hold">
                             <p:stCondLst>
-                              <p:cond delay="45500"/>
+                              <p:cond delay="47500"/>
                             </p:stCondLst>
                             <p:childTnLst>
                               <p:par>
-                                <p:cTn id="197" presetID="9" presetClass="exit" presetSubtype="0" fill="hold" grpId="0" nodeType="afterEffect">
+                                <p:cTn id="201" presetID="9" presetClass="exit" presetSubtype="0" fill="hold" grpId="0" nodeType="afterEffect">
                                   <p:stCondLst>
                                     <p:cond delay="500"/>
                                   </p:stCondLst>
                                   <p:childTnLst>
                                     <p:animEffect transition="out" filter="dissolve">
                                       <p:cBhvr>
-                                        <p:cTn id="198" dur="500"/>
+                                        <p:cTn id="202" dur="500"/>
                                         <p:tgtEl>
                                           <p:spTgt spid="62"/>
                                         </p:tgtEl>
@@ -11269,7 +11305,7 @@
                                     </p:animEffect>
                                     <p:set>
                                       <p:cBhvr>
-                                        <p:cTn id="199" dur="1" fill="hold">
+                                        <p:cTn id="203" dur="1" fill="hold">
                                           <p:stCondLst>
                                             <p:cond delay="499"/>
                                           </p:stCondLst>
@@ -11288,15 +11324,24 @@
                                   </p:childTnLst>
                                 </p:cTn>
                               </p:par>
+                            </p:childTnLst>
+                          </p:cTn>
+                        </p:par>
+                        <p:par>
+                          <p:cTn id="204" fill="hold">
+                            <p:stCondLst>
+                              <p:cond delay="48500"/>
+                            </p:stCondLst>
+                            <p:childTnLst>
                               <p:par>
-                                <p:cTn id="200" presetID="9" presetClass="exit" presetSubtype="0" fill="hold" grpId="0" nodeType="withEffect">
+                                <p:cTn id="205" presetID="9" presetClass="exit" presetSubtype="0" fill="hold" grpId="0" nodeType="afterEffect">
                                   <p:stCondLst>
-                                    <p:cond delay="500"/>
+                                    <p:cond delay="0"/>
                                   </p:stCondLst>
                                   <p:childTnLst>
                                     <p:animEffect transition="out" filter="dissolve">
                                       <p:cBhvr>
-                                        <p:cTn id="201" dur="500"/>
+                                        <p:cTn id="206" dur="500"/>
                                         <p:tgtEl>
                                           <p:spTgt spid="63"/>
                                         </p:tgtEl>
@@ -11304,7 +11349,7 @@
                                     </p:animEffect>
                                     <p:set>
                                       <p:cBhvr>
-                                        <p:cTn id="202" dur="1" fill="hold">
+                                        <p:cTn id="207" dur="1" fill="hold">
                                           <p:stCondLst>
                                             <p:cond delay="499"/>
                                           </p:stCondLst>
@@ -11327,20 +11372,20 @@
                           </p:cTn>
                         </p:par>
                         <p:par>
-                          <p:cTn id="203" fill="hold">
+                          <p:cTn id="208" fill="hold">
                             <p:stCondLst>
-                              <p:cond delay="46500"/>
+                              <p:cond delay="49000"/>
                             </p:stCondLst>
                             <p:childTnLst>
                               <p:par>
-                                <p:cTn id="204" presetID="9" presetClass="exit" presetSubtype="0" fill="hold" grpId="0" nodeType="afterEffect">
+                                <p:cTn id="209" presetID="9" presetClass="exit" presetSubtype="0" fill="hold" grpId="0" nodeType="afterEffect">
                                   <p:stCondLst>
                                     <p:cond delay="500"/>
                                   </p:stCondLst>
                                   <p:childTnLst>
                                     <p:animEffect transition="out" filter="dissolve">
                                       <p:cBhvr>
-                                        <p:cTn id="205" dur="500"/>
+                                        <p:cTn id="210" dur="500"/>
                                         <p:tgtEl>
                                           <p:spTgt spid="64"/>
                                         </p:tgtEl>
@@ -11348,7 +11393,7 @@
                                     </p:animEffect>
                                     <p:set>
                                       <p:cBhvr>
-                                        <p:cTn id="206" dur="1" fill="hold">
+                                        <p:cTn id="211" dur="1" fill="hold">
                                           <p:stCondLst>
                                             <p:cond delay="499"/>
                                           </p:stCondLst>
@@ -11371,20 +11416,20 @@
                           </p:cTn>
                         </p:par>
                         <p:par>
-                          <p:cTn id="207" fill="hold">
+                          <p:cTn id="212" fill="hold">
                             <p:stCondLst>
-                              <p:cond delay="47500"/>
+                              <p:cond delay="50000"/>
                             </p:stCondLst>
                             <p:childTnLst>
                               <p:par>
-                                <p:cTn id="208" presetID="9" presetClass="exit" presetSubtype="0" fill="hold" grpId="0" nodeType="afterEffect">
+                                <p:cTn id="213" presetID="9" presetClass="exit" presetSubtype="0" fill="hold" grpId="0" nodeType="afterEffect">
                                   <p:stCondLst>
                                     <p:cond delay="500"/>
                                   </p:stCondLst>
                                   <p:childTnLst>
                                     <p:animEffect transition="out" filter="dissolve">
                                       <p:cBhvr>
-                                        <p:cTn id="209" dur="500"/>
+                                        <p:cTn id="214" dur="500"/>
                                         <p:tgtEl>
                                           <p:spTgt spid="65"/>
                                         </p:tgtEl>
@@ -11392,7 +11437,7 @@
                                     </p:animEffect>
                                     <p:set>
                                       <p:cBhvr>
-                                        <p:cTn id="210" dur="1" fill="hold">
+                                        <p:cTn id="215" dur="1" fill="hold">
                                           <p:stCondLst>
                                             <p:cond delay="499"/>
                                           </p:stCondLst>
@@ -11415,20 +11460,20 @@
                           </p:cTn>
                         </p:par>
                         <p:par>
-                          <p:cTn id="211" fill="hold">
+                          <p:cTn id="216" fill="hold">
                             <p:stCondLst>
-                              <p:cond delay="48500"/>
+                              <p:cond delay="51000"/>
                             </p:stCondLst>
                             <p:childTnLst>
                               <p:par>
-                                <p:cTn id="212" presetID="9" presetClass="exit" presetSubtype="0" fill="hold" grpId="0" nodeType="afterEffect">
+                                <p:cTn id="217" presetID="9" presetClass="exit" presetSubtype="0" fill="hold" grpId="0" nodeType="afterEffect">
                                   <p:stCondLst>
                                     <p:cond delay="500"/>
                                   </p:stCondLst>
                                   <p:childTnLst>
                                     <p:animEffect transition="out" filter="dissolve">
                                       <p:cBhvr>
-                                        <p:cTn id="213" dur="500"/>
+                                        <p:cTn id="218" dur="500"/>
                                         <p:tgtEl>
                                           <p:spTgt spid="66"/>
                                         </p:tgtEl>
@@ -11436,7 +11481,7 @@
                                     </p:animEffect>
                                     <p:set>
                                       <p:cBhvr>
-                                        <p:cTn id="214" dur="1" fill="hold">
+                                        <p:cTn id="219" dur="1" fill="hold">
                                           <p:stCondLst>
                                             <p:cond delay="499"/>
                                           </p:stCondLst>
@@ -11459,20 +11504,20 @@
                           </p:cTn>
                         </p:par>
                         <p:par>
-                          <p:cTn id="215" fill="hold">
+                          <p:cTn id="220" fill="hold">
                             <p:stCondLst>
-                              <p:cond delay="49500"/>
+                              <p:cond delay="52000"/>
                             </p:stCondLst>
                             <p:childTnLst>
                               <p:par>
-                                <p:cTn id="216" presetID="9" presetClass="exit" presetSubtype="0" fill="hold" grpId="0" nodeType="afterEffect">
+                                <p:cTn id="221" presetID="9" presetClass="exit" presetSubtype="0" fill="hold" grpId="0" nodeType="afterEffect">
                                   <p:stCondLst>
                                     <p:cond delay="500"/>
                                   </p:stCondLst>
                                   <p:childTnLst>
                                     <p:animEffect transition="out" filter="dissolve">
                                       <p:cBhvr>
-                                        <p:cTn id="217" dur="500"/>
+                                        <p:cTn id="222" dur="500"/>
                                         <p:tgtEl>
                                           <p:spTgt spid="67"/>
                                         </p:tgtEl>
@@ -11480,7 +11525,7 @@
                                     </p:animEffect>
                                     <p:set>
                                       <p:cBhvr>
-                                        <p:cTn id="218" dur="1" fill="hold">
+                                        <p:cTn id="223" dur="1" fill="hold">
                                           <p:stCondLst>
                                             <p:cond delay="499"/>
                                           </p:stCondLst>
@@ -11503,20 +11548,20 @@
                           </p:cTn>
                         </p:par>
                         <p:par>
-                          <p:cTn id="219" fill="hold">
+                          <p:cTn id="224" fill="hold">
                             <p:stCondLst>
-                              <p:cond delay="50500"/>
+                              <p:cond delay="53000"/>
                             </p:stCondLst>
                             <p:childTnLst>
                               <p:par>
-                                <p:cTn id="220" presetID="9" presetClass="exit" presetSubtype="0" fill="hold" grpId="0" nodeType="afterEffect">
+                                <p:cTn id="225" presetID="9" presetClass="exit" presetSubtype="0" fill="hold" grpId="0" nodeType="afterEffect">
                                   <p:stCondLst>
                                     <p:cond delay="500"/>
                                   </p:stCondLst>
                                   <p:childTnLst>
                                     <p:animEffect transition="out" filter="dissolve">
                                       <p:cBhvr>
-                                        <p:cTn id="221" dur="500"/>
+                                        <p:cTn id="226" dur="500"/>
                                         <p:tgtEl>
                                           <p:spTgt spid="68"/>
                                         </p:tgtEl>
@@ -11524,7 +11569,7 @@
                                     </p:animEffect>
                                     <p:set>
                                       <p:cBhvr>
-                                        <p:cTn id="222" dur="1" fill="hold">
+                                        <p:cTn id="227" dur="1" fill="hold">
                                           <p:stCondLst>
                                             <p:cond delay="499"/>
                                           </p:stCondLst>
@@ -11547,20 +11592,20 @@
                           </p:cTn>
                         </p:par>
                         <p:par>
-                          <p:cTn id="223" fill="hold">
+                          <p:cTn id="228" fill="hold">
                             <p:stCondLst>
-                              <p:cond delay="51500"/>
+                              <p:cond delay="54000"/>
                             </p:stCondLst>
                             <p:childTnLst>
                               <p:par>
-                                <p:cTn id="224" presetID="9" presetClass="exit" presetSubtype="0" fill="hold" grpId="0" nodeType="afterEffect">
+                                <p:cTn id="229" presetID="9" presetClass="exit" presetSubtype="0" fill="hold" grpId="0" nodeType="afterEffect">
                                   <p:stCondLst>
                                     <p:cond delay="500"/>
                                   </p:stCondLst>
                                   <p:childTnLst>
                                     <p:animEffect transition="out" filter="dissolve">
                                       <p:cBhvr>
-                                        <p:cTn id="225" dur="500"/>
+                                        <p:cTn id="230" dur="500"/>
                                         <p:tgtEl>
                                           <p:spTgt spid="69"/>
                                         </p:tgtEl>
@@ -11568,7 +11613,7 @@
                                     </p:animEffect>
                                     <p:set>
                                       <p:cBhvr>
-                                        <p:cTn id="226" dur="1" fill="hold">
+                                        <p:cTn id="231" dur="1" fill="hold">
                                           <p:stCondLst>
                                             <p:cond delay="499"/>
                                           </p:stCondLst>
@@ -11591,20 +11636,20 @@
                           </p:cTn>
                         </p:par>
                         <p:par>
-                          <p:cTn id="227" fill="hold">
+                          <p:cTn id="232" fill="hold">
                             <p:stCondLst>
-                              <p:cond delay="52500"/>
+                              <p:cond delay="55000"/>
                             </p:stCondLst>
                             <p:childTnLst>
                               <p:par>
-                                <p:cTn id="228" presetID="9" presetClass="exit" presetSubtype="0" fill="hold" grpId="0" nodeType="afterEffect">
+                                <p:cTn id="233" presetID="9" presetClass="exit" presetSubtype="0" fill="hold" grpId="0" nodeType="afterEffect">
                                   <p:stCondLst>
                                     <p:cond delay="500"/>
                                   </p:stCondLst>
                                   <p:childTnLst>
                                     <p:animEffect transition="out" filter="dissolve">
                                       <p:cBhvr>
-                                        <p:cTn id="229" dur="500"/>
+                                        <p:cTn id="234" dur="500"/>
                                         <p:tgtEl>
                                           <p:spTgt spid="70"/>
                                         </p:tgtEl>
@@ -11612,7 +11657,7 @@
                                     </p:animEffect>
                                     <p:set>
                                       <p:cBhvr>
-                                        <p:cTn id="230" dur="1" fill="hold">
+                                        <p:cTn id="235" dur="1" fill="hold">
                                           <p:stCondLst>
                                             <p:cond delay="499"/>
                                           </p:stCondLst>
@@ -11635,20 +11680,20 @@
                           </p:cTn>
                         </p:par>
                         <p:par>
-                          <p:cTn id="231" fill="hold">
+                          <p:cTn id="236" fill="hold">
                             <p:stCondLst>
-                              <p:cond delay="53500"/>
+                              <p:cond delay="56000"/>
                             </p:stCondLst>
                             <p:childTnLst>
                               <p:par>
-                                <p:cTn id="232" presetID="9" presetClass="exit" presetSubtype="0" fill="hold" grpId="0" nodeType="afterEffect">
+                                <p:cTn id="237" presetID="9" presetClass="exit" presetSubtype="0" fill="hold" grpId="0" nodeType="afterEffect">
                                   <p:stCondLst>
                                     <p:cond delay="500"/>
                                   </p:stCondLst>
                                   <p:childTnLst>
                                     <p:animEffect transition="out" filter="dissolve">
                                       <p:cBhvr>
-                                        <p:cTn id="233" dur="500"/>
+                                        <p:cTn id="238" dur="500"/>
                                         <p:tgtEl>
                                           <p:spTgt spid="71"/>
                                         </p:tgtEl>
@@ -11656,7 +11701,7 @@
                                     </p:animEffect>
                                     <p:set>
                                       <p:cBhvr>
-                                        <p:cTn id="234" dur="1" fill="hold">
+                                        <p:cTn id="239" dur="1" fill="hold">
                                           <p:stCondLst>
                                             <p:cond delay="499"/>
                                           </p:stCondLst>
@@ -11679,20 +11724,20 @@
                           </p:cTn>
                         </p:par>
                         <p:par>
-                          <p:cTn id="235" fill="hold">
+                          <p:cTn id="240" fill="hold">
                             <p:stCondLst>
-                              <p:cond delay="54500"/>
+                              <p:cond delay="57000"/>
                             </p:stCondLst>
                             <p:childTnLst>
                               <p:par>
-                                <p:cTn id="236" presetID="9" presetClass="exit" presetSubtype="0" fill="hold" grpId="0" nodeType="afterEffect">
+                                <p:cTn id="241" presetID="9" presetClass="exit" presetSubtype="0" fill="hold" grpId="0" nodeType="afterEffect">
                                   <p:stCondLst>
                                     <p:cond delay="500"/>
                                   </p:stCondLst>
                                   <p:childTnLst>
                                     <p:animEffect transition="out" filter="dissolve">
                                       <p:cBhvr>
-                                        <p:cTn id="237" dur="500"/>
+                                        <p:cTn id="242" dur="500"/>
                                         <p:tgtEl>
                                           <p:spTgt spid="72"/>
                                         </p:tgtEl>
@@ -11700,7 +11745,7 @@
                                     </p:animEffect>
                                     <p:set>
                                       <p:cBhvr>
-                                        <p:cTn id="238" dur="1" fill="hold">
+                                        <p:cTn id="243" dur="1" fill="hold">
                                           <p:stCondLst>
                                             <p:cond delay="499"/>
                                           </p:stCondLst>
@@ -12175,21 +12220,7 @@
                 <a:ea typeface="Fira Sans" charset="0"/>
                 <a:cs typeface="Fira Sans" charset="0"/>
               </a:rPr>
-              <a:t> </a:t>
-            </a:r>
-            <a:r>
-              <a:rPr lang="en-US" sz="4400" dirty="0" smtClean="0">
-                <a:solidFill>
-                  <a:srgbClr val="5B9BD5">
-                    <a:lumMod val="20000"/>
-                    <a:lumOff val="80000"/>
-                  </a:srgbClr>
-                </a:solidFill>
-                <a:latin typeface="Fira Sans" charset="0"/>
-                <a:ea typeface="Fira Sans" charset="0"/>
-                <a:cs typeface="Fira Sans" charset="0"/>
-              </a:rPr>
-              <a:t>Minutes</a:t>
+              <a:t> Minutes</a:t>
             </a:r>
             <a:endParaRPr lang="en-US" sz="4400" dirty="0">
               <a:solidFill>
@@ -12953,15 +12984,7 @@
                   <a:srgbClr val="FFFF00"/>
                 </a:solidFill>
               </a:rPr>
-              <a:t>Wrap-up</a:t>
-            </a:r>
-            <a:r>
-              <a:rPr lang="en-US" sz="16600" smtClean="0">
-                <a:solidFill>
-                  <a:srgbClr val="FFFF00"/>
-                </a:solidFill>
-              </a:rPr>
-              <a:t> </a:t>
+              <a:t>Wrap-up </a:t>
             </a:r>
             <a:endParaRPr lang="en-US" sz="16600" dirty="0">
               <a:solidFill>
@@ -13038,13 +13061,13 @@
   <p:clrMapOvr>
     <a:masterClrMapping/>
   </p:clrMapOvr>
-  <mc:AlternateContent xmlns:mc="http://schemas.openxmlformats.org/markup-compatibility/2006">
-    <mc:Choice xmlns:p14="http://schemas.microsoft.com/office/powerpoint/2010/main" Requires="p14">
+  <mc:AlternateContent xmlns:mc="http://schemas.openxmlformats.org/markup-compatibility/2006" xmlns:p14="http://schemas.microsoft.com/office/powerpoint/2010/main">
+    <mc:Choice Requires="p14">
       <p:transition spd="med" p14:dur="700">
         <p:fade/>
       </p:transition>
     </mc:Choice>
-    <mc:Fallback>
+    <mc:Fallback xmlns="">
       <p:transition spd="med">
         <p:fade/>
       </p:transition>
